--- a/Module 5 Deliverables/CS_633_Zac3_term_project_report_module5.pptx
+++ b/Module 5 Deliverables/CS_633_Zac3_term_project_report_module5.pptx
@@ -28,9 +28,9 @@
     <p:sldId id="278" r:id="rId19"/>
     <p:sldId id="280" r:id="rId20"/>
     <p:sldId id="285" r:id="rId21"/>
-    <p:sldId id="282" r:id="rId22"/>
-    <p:sldId id="283" r:id="rId23"/>
-    <p:sldId id="284" r:id="rId24"/>
+    <p:sldId id="286" r:id="rId22"/>
+    <p:sldId id="287" r:id="rId23"/>
+    <p:sldId id="288" r:id="rId24"/>
   </p:sldIdLst>
   <p:sldSz cx="9144000" cy="5143500" type="screen16x9"/>
   <p:notesSz cx="6858000" cy="9144000"/>
@@ -230,7 +230,7 @@
           <a:p>
             <a:fld id="{9B8A9A2D-E852-3844-9DB4-1B4DAD75F3D7}" type="datetimeFigureOut">
               <a:rPr lang="en-US" smtClean="0"/>
-              <a:t>2/18/18</a:t>
+              <a:t>2/19/18</a:t>
             </a:fld>
             <a:endParaRPr lang="en-US"/>
           </a:p>
@@ -988,7 +988,7 @@
           <a:p>
             <a:fld id="{CBBBF805-5D4B-8F4E-93F2-E4965DAE73BF}" type="datetimeFigureOut">
               <a:rPr lang="en-US" smtClean="0"/>
-              <a:t>2/18/18</a:t>
+              <a:t>2/19/18</a:t>
             </a:fld>
             <a:endParaRPr lang="en-US"/>
           </a:p>
@@ -1178,7 +1178,7 @@
           <a:p>
             <a:fld id="{CBBBF805-5D4B-8F4E-93F2-E4965DAE73BF}" type="datetimeFigureOut">
               <a:rPr lang="en-US" smtClean="0"/>
-              <a:t>2/18/18</a:t>
+              <a:t>2/19/18</a:t>
             </a:fld>
             <a:endParaRPr lang="en-US"/>
           </a:p>
@@ -1362,7 +1362,7 @@
           <a:p>
             <a:fld id="{CBBBF805-5D4B-8F4E-93F2-E4965DAE73BF}" type="datetimeFigureOut">
               <a:rPr lang="en-US" smtClean="0"/>
-              <a:t>2/18/18</a:t>
+              <a:t>2/19/18</a:t>
             </a:fld>
             <a:endParaRPr lang="en-US"/>
           </a:p>
@@ -1624,7 +1624,7 @@
           <a:p>
             <a:fld id="{CBBBF805-5D4B-8F4E-93F2-E4965DAE73BF}" type="datetimeFigureOut">
               <a:rPr lang="en-US" smtClean="0"/>
-              <a:t>2/18/18</a:t>
+              <a:t>2/19/18</a:t>
             </a:fld>
             <a:endParaRPr lang="en-US"/>
           </a:p>
@@ -2065,7 +2065,7 @@
           <a:p>
             <a:fld id="{CBBBF805-5D4B-8F4E-93F2-E4965DAE73BF}" type="datetimeFigureOut">
               <a:rPr lang="en-US" smtClean="0"/>
-              <a:t>2/18/18</a:t>
+              <a:t>2/19/18</a:t>
             </a:fld>
             <a:endParaRPr lang="en-US"/>
           </a:p>
@@ -2336,7 +2336,7 @@
           <a:p>
             <a:fld id="{CBBBF805-5D4B-8F4E-93F2-E4965DAE73BF}" type="datetimeFigureOut">
               <a:rPr lang="en-US" smtClean="0"/>
-              <a:t>2/18/18</a:t>
+              <a:t>2/19/18</a:t>
             </a:fld>
             <a:endParaRPr lang="en-US"/>
           </a:p>
@@ -2571,7 +2571,7 @@
           <a:p>
             <a:fld id="{CBBBF805-5D4B-8F4E-93F2-E4965DAE73BF}" type="datetimeFigureOut">
               <a:rPr lang="en-US" smtClean="0"/>
-              <a:t>2/18/18</a:t>
+              <a:t>2/19/18</a:t>
             </a:fld>
             <a:endParaRPr lang="en-US"/>
           </a:p>
@@ -2765,7 +2765,7 @@
           <a:p>
             <a:fld id="{CBBBF805-5D4B-8F4E-93F2-E4965DAE73BF}" type="datetimeFigureOut">
               <a:rPr lang="en-US" smtClean="0"/>
-              <a:t>2/18/18</a:t>
+              <a:t>2/19/18</a:t>
             </a:fld>
             <a:endParaRPr lang="en-US"/>
           </a:p>
@@ -2863,7 +2863,7 @@
           <a:p>
             <a:fld id="{CBBBF805-5D4B-8F4E-93F2-E4965DAE73BF}" type="datetimeFigureOut">
               <a:rPr lang="en-US" smtClean="0"/>
-              <a:t>2/18/18</a:t>
+              <a:t>2/19/18</a:t>
             </a:fld>
             <a:endParaRPr lang="en-US"/>
           </a:p>
@@ -3028,7 +3028,7 @@
           <a:p>
             <a:fld id="{CBBBF805-5D4B-8F4E-93F2-E4965DAE73BF}" type="datetimeFigureOut">
               <a:rPr lang="en-US" smtClean="0"/>
-              <a:t>2/18/18</a:t>
+              <a:t>2/19/18</a:t>
             </a:fld>
             <a:endParaRPr lang="en-US"/>
           </a:p>
@@ -3545,7 +3545,7 @@
           <a:p>
             <a:fld id="{CBBBF805-5D4B-8F4E-93F2-E4965DAE73BF}" type="datetimeFigureOut">
               <a:rPr lang="en-US" smtClean="0"/>
-              <a:t>2/18/18</a:t>
+              <a:t>2/19/18</a:t>
             </a:fld>
             <a:endParaRPr lang="en-US"/>
           </a:p>
@@ -3804,7 +3804,7 @@
           <a:p>
             <a:fld id="{CBBBF805-5D4B-8F4E-93F2-E4965DAE73BF}" type="datetimeFigureOut">
               <a:rPr lang="en-US" smtClean="0"/>
-              <a:t>2/18/18</a:t>
+              <a:t>2/19/18</a:t>
             </a:fld>
             <a:endParaRPr lang="en-US"/>
           </a:p>
@@ -14580,14 +14580,14 @@
           <a:effectLst/>
           <a:extLst>
             <a:ext uri="{909E8E84-426E-40dd-AFC4-6F175D3DCCD1}">
-              <a14:hiddenFill xmlns:a14="http://schemas.microsoft.com/office/drawing/2010/main" xmlns="">
+              <a14:hiddenFill xmlns="" xmlns:a14="http://schemas.microsoft.com/office/drawing/2010/main">
                 <a:solidFill>
                   <a:schemeClr val="accent1"/>
                 </a:solidFill>
               </a14:hiddenFill>
             </a:ext>
             <a:ext uri="{91240B29-F687-4f45-9708-019B960494DF}">
-              <a14:hiddenLine xmlns:a14="http://schemas.microsoft.com/office/drawing/2010/main" xmlns="" w="9525">
+              <a14:hiddenLine xmlns="" xmlns:a14="http://schemas.microsoft.com/office/drawing/2010/main" w="9525">
                 <a:solidFill>
                   <a:schemeClr val="tx1"/>
                 </a:solidFill>
@@ -14597,7 +14597,7 @@
               </a14:hiddenLine>
             </a:ext>
             <a:ext uri="{AF507438-7753-43e0-B8FC-AC1667EBCBE1}">
-              <a14:hiddenEffects xmlns:a14="http://schemas.microsoft.com/office/drawing/2010/main" xmlns="">
+              <a14:hiddenEffects xmlns="" xmlns:a14="http://schemas.microsoft.com/office/drawing/2010/main">
                 <a:effectLst>
                   <a:outerShdw dist="35921" dir="2700000" algn="ctr" rotWithShape="0">
                     <a:schemeClr val="bg2"/>
@@ -14698,14 +14698,14 @@
           <a:effectLst/>
           <a:extLst>
             <a:ext uri="{909E8E84-426E-40dd-AFC4-6F175D3DCCD1}">
-              <a14:hiddenFill xmlns:a14="http://schemas.microsoft.com/office/drawing/2010/main" xmlns="">
+              <a14:hiddenFill xmlns="" xmlns:a14="http://schemas.microsoft.com/office/drawing/2010/main">
                 <a:solidFill>
                   <a:schemeClr val="accent1"/>
                 </a:solidFill>
               </a14:hiddenFill>
             </a:ext>
             <a:ext uri="{91240B29-F687-4f45-9708-019B960494DF}">
-              <a14:hiddenLine xmlns:a14="http://schemas.microsoft.com/office/drawing/2010/main" xmlns="" w="9525">
+              <a14:hiddenLine xmlns="" xmlns:a14="http://schemas.microsoft.com/office/drawing/2010/main" w="9525">
                 <a:solidFill>
                   <a:schemeClr val="tx1"/>
                 </a:solidFill>
@@ -14715,7 +14715,7 @@
               </a14:hiddenLine>
             </a:ext>
             <a:ext uri="{AF507438-7753-43e0-B8FC-AC1667EBCBE1}">
-              <a14:hiddenEffects xmlns:a14="http://schemas.microsoft.com/office/drawing/2010/main" xmlns="">
+              <a14:hiddenEffects xmlns="" xmlns:a14="http://schemas.microsoft.com/office/drawing/2010/main">
                 <a:effectLst>
                   <a:outerShdw dist="35921" dir="2700000" algn="ctr" rotWithShape="0">
                     <a:schemeClr val="bg2"/>
@@ -15025,41 +15025,6 @@
           <a:chExt cx="0" cy="0"/>
         </a:xfrm>
       </p:grpSpPr>
-      <p:sp>
-        <p:nvSpPr>
-          <p:cNvPr id="4" name="Title 3">
-            <a:extLst>
-              <a:ext uri="{FF2B5EF4-FFF2-40B4-BE49-F238E27FC236}">
-                <a16:creationId xmlns:a16="http://schemas.microsoft.com/office/drawing/2014/main" id="{2E86297E-C051-F642-8EBB-A25E2805B3E4}"/>
-              </a:ext>
-            </a:extLst>
-          </p:cNvPr>
-          <p:cNvSpPr>
-            <a:spLocks noGrp="1"/>
-          </p:cNvSpPr>
-          <p:nvPr>
-            <p:ph type="title"/>
-          </p:nvPr>
-        </p:nvSpPr>
-        <p:spPr>
-          <a:xfrm>
-            <a:off x="612648" y="173735"/>
-            <a:ext cx="8156448" cy="740664"/>
-          </a:xfrm>
-        </p:spPr>
-        <p:txBody>
-          <a:bodyPr>
-            <a:normAutofit fontScale="90000"/>
-          </a:bodyPr>
-          <a:lstStyle/>
-          <a:p>
-            <a:r>
-              <a:rPr lang="en-US" dirty="0"/>
-              <a:t>Register &amp; Login </a:t>
-            </a:r>
-          </a:p>
-        </p:txBody>
-      </p:sp>
       <p:pic>
         <p:nvPicPr>
           <p:cNvPr id="29" name="Content Placeholder 28">
@@ -15424,10 +15389,40 @@
           </a:p>
         </p:txBody>
       </p:sp>
+      <p:sp>
+        <p:nvSpPr>
+          <p:cNvPr id="3" name="Title 2">
+            <a:extLst>
+              <a:ext uri="{FF2B5EF4-FFF2-40B4-BE49-F238E27FC236}">
+                <a16:creationId xmlns:a16="http://schemas.microsoft.com/office/drawing/2014/main" id="{DA709914-219D-164A-8DCB-8E4BA0D708D6}"/>
+              </a:ext>
+            </a:extLst>
+          </p:cNvPr>
+          <p:cNvSpPr>
+            <a:spLocks noGrp="1"/>
+          </p:cNvSpPr>
+          <p:nvPr>
+            <p:ph type="title"/>
+          </p:nvPr>
+        </p:nvSpPr>
+        <p:spPr/>
+        <p:txBody>
+          <a:bodyPr>
+            <a:normAutofit fontScale="90000"/>
+          </a:bodyPr>
+          <a:lstStyle/>
+          <a:p>
+            <a:r>
+              <a:rPr lang="en-US" dirty="0"/>
+              <a:t>Register &amp; Login</a:t>
+            </a:r>
+          </a:p>
+        </p:txBody>
+      </p:sp>
     </p:spTree>
     <p:extLst>
       <p:ext uri="{BB962C8B-B14F-4D97-AF65-F5344CB8AC3E}">
-        <p14:creationId xmlns:p14="http://schemas.microsoft.com/office/powerpoint/2010/main" val="3645833786"/>
+        <p14:creationId xmlns:p14="http://schemas.microsoft.com/office/powerpoint/2010/main" val="1847657624"/>
       </p:ext>
     </p:extLst>
   </p:cSld>
@@ -15478,8 +15473,8 @@
         </p:blipFill>
         <p:spPr>
           <a:xfrm>
-            <a:off x="861870" y="1828799"/>
-            <a:ext cx="1600200" cy="3281679"/>
+            <a:off x="609600" y="1828800"/>
+            <a:ext cx="2104739" cy="2686049"/>
           </a:xfrm>
         </p:spPr>
       </p:pic>
@@ -15507,46 +15502,11 @@
         </p:blipFill>
         <p:spPr>
           <a:xfrm>
-            <a:off x="3810000" y="1828799"/>
-            <a:ext cx="1600200" cy="3281679"/>
+            <a:off x="3557730" y="1828800"/>
+            <a:ext cx="2104739" cy="2686049"/>
           </a:xfrm>
         </p:spPr>
       </p:pic>
-      <p:sp>
-        <p:nvSpPr>
-          <p:cNvPr id="4" name="Title 3">
-            <a:extLst>
-              <a:ext uri="{FF2B5EF4-FFF2-40B4-BE49-F238E27FC236}">
-                <a16:creationId xmlns:a16="http://schemas.microsoft.com/office/drawing/2014/main" id="{2E86297E-C051-F642-8EBB-A25E2805B3E4}"/>
-              </a:ext>
-            </a:extLst>
-          </p:cNvPr>
-          <p:cNvSpPr>
-            <a:spLocks noGrp="1"/>
-          </p:cNvSpPr>
-          <p:nvPr>
-            <p:ph type="title"/>
-          </p:nvPr>
-        </p:nvSpPr>
-        <p:spPr>
-          <a:xfrm>
-            <a:off x="612648" y="173736"/>
-            <a:ext cx="8156448" cy="740664"/>
-          </a:xfrm>
-        </p:spPr>
-        <p:txBody>
-          <a:bodyPr>
-            <a:normAutofit fontScale="90000"/>
-          </a:bodyPr>
-          <a:lstStyle/>
-          <a:p>
-            <a:r>
-              <a:rPr lang="en-US" dirty="0"/>
-              <a:t>Capture Measurements</a:t>
-            </a:r>
-          </a:p>
-        </p:txBody>
-      </p:sp>
       <p:sp>
         <p:nvSpPr>
           <p:cNvPr id="24" name="Text Placeholder 23">
@@ -15637,8 +15597,8 @@
         </p:blipFill>
         <p:spPr>
           <a:xfrm>
-            <a:off x="6834330" y="1828799"/>
-            <a:ext cx="1600200" cy="3281679"/>
+            <a:off x="6582060" y="1828801"/>
+            <a:ext cx="2104739" cy="2686047"/>
           </a:xfrm>
           <a:prstGeom prst="rect">
             <a:avLst/>
@@ -15848,7 +15808,37 @@
             <a:pPr algn="ctr" defTabSz="914400"/>
             <a:r>
               <a:rPr lang="en-US" dirty="0"/>
-              <a:t>Capture Stats</a:t>
+              <a:t>Capture Stats </a:t>
+            </a:r>
+          </a:p>
+        </p:txBody>
+      </p:sp>
+      <p:sp>
+        <p:nvSpPr>
+          <p:cNvPr id="11" name="Title 3">
+            <a:extLst>
+              <a:ext uri="{FF2B5EF4-FFF2-40B4-BE49-F238E27FC236}">
+                <a16:creationId xmlns:a16="http://schemas.microsoft.com/office/drawing/2014/main" id="{1B7C1956-D8F0-E146-AB20-C66E3C0F98DC}"/>
+              </a:ext>
+            </a:extLst>
+          </p:cNvPr>
+          <p:cNvSpPr>
+            <a:spLocks noGrp="1"/>
+          </p:cNvSpPr>
+          <p:nvPr>
+            <p:ph type="title"/>
+          </p:nvPr>
+        </p:nvSpPr>
+        <p:spPr/>
+        <p:txBody>
+          <a:bodyPr>
+            <a:normAutofit fontScale="90000"/>
+          </a:bodyPr>
+          <a:lstStyle/>
+          <a:p>
+            <a:r>
+              <a:rPr lang="en-US" dirty="0"/>
+              <a:t>Capture Measurements</a:t>
             </a:r>
           </a:p>
         </p:txBody>
@@ -15856,7 +15846,7 @@
     </p:spTree>
     <p:extLst>
       <p:ext uri="{BB962C8B-B14F-4D97-AF65-F5344CB8AC3E}">
-        <p14:creationId xmlns:p14="http://schemas.microsoft.com/office/powerpoint/2010/main" val="1484817606"/>
+        <p14:creationId xmlns:p14="http://schemas.microsoft.com/office/powerpoint/2010/main" val="1960484451"/>
       </p:ext>
     </p:extLst>
   </p:cSld>
@@ -15883,41 +15873,6 @@
           <a:chExt cx="0" cy="0"/>
         </a:xfrm>
       </p:grpSpPr>
-      <p:sp>
-        <p:nvSpPr>
-          <p:cNvPr id="4" name="Title 3">
-            <a:extLst>
-              <a:ext uri="{FF2B5EF4-FFF2-40B4-BE49-F238E27FC236}">
-                <a16:creationId xmlns:a16="http://schemas.microsoft.com/office/drawing/2014/main" id="{2E86297E-C051-F642-8EBB-A25E2805B3E4}"/>
-              </a:ext>
-            </a:extLst>
-          </p:cNvPr>
-          <p:cNvSpPr>
-            <a:spLocks noGrp="1"/>
-          </p:cNvSpPr>
-          <p:nvPr>
-            <p:ph type="title"/>
-          </p:nvPr>
-        </p:nvSpPr>
-        <p:spPr>
-          <a:xfrm>
-            <a:off x="612648" y="173735"/>
-            <a:ext cx="8156448" cy="740664"/>
-          </a:xfrm>
-        </p:spPr>
-        <p:txBody>
-          <a:bodyPr>
-            <a:normAutofit fontScale="90000"/>
-          </a:bodyPr>
-          <a:lstStyle/>
-          <a:p>
-            <a:r>
-              <a:rPr lang="en-US" dirty="0"/>
-              <a:t>Design Workout &amp; Track Food</a:t>
-            </a:r>
-          </a:p>
-        </p:txBody>
-      </p:sp>
       <p:pic>
         <p:nvPicPr>
           <p:cNvPr id="29" name="Content Placeholder 28">
@@ -15942,8 +15897,8 @@
         </p:blipFill>
         <p:spPr>
           <a:xfrm>
-            <a:off x="3810000" y="1828800"/>
-            <a:ext cx="1600200" cy="3281679"/>
+            <a:off x="609600" y="1828800"/>
+            <a:ext cx="2104739" cy="2686049"/>
           </a:xfrm>
         </p:spPr>
       </p:pic>
@@ -15971,8 +15926,8 @@
         </p:blipFill>
         <p:spPr>
           <a:xfrm>
-            <a:off x="861870" y="1828799"/>
-            <a:ext cx="1600200" cy="3281679"/>
+            <a:off x="3557730" y="1828800"/>
+            <a:ext cx="2104739" cy="2686049"/>
           </a:xfrm>
         </p:spPr>
       </p:pic>
@@ -16066,8 +16021,8 @@
         </p:blipFill>
         <p:spPr>
           <a:xfrm>
-            <a:off x="6834330" y="1828800"/>
-            <a:ext cx="1600200" cy="3281679"/>
+            <a:off x="6582060" y="1828801"/>
+            <a:ext cx="2104739" cy="2686047"/>
           </a:xfrm>
           <a:prstGeom prst="rect">
             <a:avLst/>
@@ -16282,10 +16237,40 @@
           </a:p>
         </p:txBody>
       </p:sp>
+      <p:sp>
+        <p:nvSpPr>
+          <p:cNvPr id="3" name="Title 2">
+            <a:extLst>
+              <a:ext uri="{FF2B5EF4-FFF2-40B4-BE49-F238E27FC236}">
+                <a16:creationId xmlns:a16="http://schemas.microsoft.com/office/drawing/2014/main" id="{6CA6599D-CD76-324B-9B18-4C49C249CBEC}"/>
+              </a:ext>
+            </a:extLst>
+          </p:cNvPr>
+          <p:cNvSpPr>
+            <a:spLocks noGrp="1"/>
+          </p:cNvSpPr>
+          <p:nvPr>
+            <p:ph type="title"/>
+          </p:nvPr>
+        </p:nvSpPr>
+        <p:spPr/>
+        <p:txBody>
+          <a:bodyPr>
+            <a:normAutofit fontScale="90000"/>
+          </a:bodyPr>
+          <a:lstStyle/>
+          <a:p>
+            <a:r>
+              <a:rPr lang="en-US" dirty="0"/>
+              <a:t>Design Workout &amp; Track Food</a:t>
+            </a:r>
+          </a:p>
+        </p:txBody>
+      </p:sp>
     </p:spTree>
     <p:extLst>
       <p:ext uri="{BB962C8B-B14F-4D97-AF65-F5344CB8AC3E}">
-        <p14:creationId xmlns:p14="http://schemas.microsoft.com/office/powerpoint/2010/main" val="716139437"/>
+        <p14:creationId xmlns:p14="http://schemas.microsoft.com/office/powerpoint/2010/main" val="3850860890"/>
       </p:ext>
     </p:extLst>
   </p:cSld>
